--- a/projects/FileFormatDiagram/Diagrams of the Formats of HDF5 Files.pptx
+++ b/projects/FileFormatDiagram/Diagrams of the Formats of HDF5 Files.pptx
@@ -3676,6 +3676,13 @@
   <p:clrMapOvr>
     <a:masterClrMapping/>
   </p:clrMapOvr>
+  <p:timing>
+    <p:tnLst>
+      <p:par>
+        <p:cTn id="1" dur="indefinite" restart="never" nodeType="tmRoot"/>
+      </p:par>
+    </p:tnLst>
+  </p:timing>
 </p:sld>
 </file>
 
@@ -3713,7 +3720,7 @@
           <a:p>
             <a:r>
               <a:rPr lang="en-US" dirty="0" smtClean="0"/>
-              <a:t>the file</a:t>
+              <a:t>an HDF5 file</a:t>
             </a:r>
             <a:endParaRPr lang="en-US" dirty="0"/>
           </a:p>
@@ -3789,10 +3796,6 @@
           <a:bodyPr/>
           <a:lstStyle/>
           <a:p>
-            <a:r>
-              <a:rPr lang="en-US" dirty="0" smtClean="0"/>
-              <a:t>an HDF5 file</a:t>
-            </a:r>
             <a:endParaRPr lang="en-US" dirty="0"/>
           </a:p>
         </p:txBody>
@@ -3865,6 +3868,40 @@
           </a:p>
         </p:txBody>
       </p:sp>
+      <p:sp>
+        <p:nvSpPr>
+          <p:cNvPr id="8" name="TextBox 7"/>
+          <p:cNvSpPr txBox="1"/>
+          <p:nvPr/>
+        </p:nvSpPr>
+        <p:spPr>
+          <a:xfrm>
+            <a:off x="1981200" y="4419600"/>
+            <a:ext cx="4343400" cy="461665"/>
+          </a:xfrm>
+          <a:prstGeom prst="rect">
+            <a:avLst/>
+          </a:prstGeom>
+          <a:noFill/>
+        </p:spPr>
+        <p:txBody>
+          <a:bodyPr wrap="square" rtlCol="0">
+            <a:spAutoFit/>
+          </a:bodyPr>
+          <a:lstStyle/>
+          <a:p>
+            <a:r>
+              <a:rPr lang="en-US" dirty="0" smtClean="0">
+                <a:latin typeface="+mn-lt"/>
+              </a:rPr>
+              <a:t>an HDF5 file</a:t>
+            </a:r>
+            <a:endParaRPr lang="en-US" dirty="0">
+              <a:latin typeface="+mn-lt"/>
+            </a:endParaRPr>
+          </a:p>
+        </p:txBody>
+      </p:sp>
     </p:spTree>
     <p:extLst>
       <p:ext uri="{BB962C8B-B14F-4D97-AF65-F5344CB8AC3E}">
@@ -3875,6 +3912,13 @@
   <p:clrMapOvr>
     <a:masterClrMapping/>
   </p:clrMapOvr>
+  <p:timing>
+    <p:tnLst>
+      <p:par>
+        <p:cTn id="1" dur="indefinite" restart="never" nodeType="tmRoot"/>
+      </p:par>
+    </p:tnLst>
+  </p:timing>
 </p:sld>
 </file>
 
@@ -3912,7 +3956,7 @@
           <a:p>
             <a:r>
               <a:rPr lang="en-US" dirty="0" smtClean="0"/>
-              <a:t>the file</a:t>
+              <a:t>the file with userblock and data</a:t>
             </a:r>
             <a:endParaRPr lang="en-US" dirty="0"/>
           </a:p>
@@ -3988,11 +4032,7 @@
           <a:bodyPr/>
           <a:lstStyle/>
           <a:p>
-            <a:r>
-              <a:rPr lang="en-US" dirty="0" smtClean="0"/>
-              <a:t>an HDF5 file</a:t>
-            </a:r>
-            <a:endParaRPr lang="en-US" dirty="0"/>
+            <a:endParaRPr lang="en-US" sz="2800" dirty="0"/>
           </a:p>
         </p:txBody>
       </p:sp>
@@ -4004,8 +4044,8 @@
         </p:nvSpPr>
         <p:spPr bwMode="auto">
           <a:xfrm>
-            <a:off x="1676400" y="3962400"/>
-            <a:ext cx="5943600" cy="1295400"/>
+            <a:off x="2300358" y="2057399"/>
+            <a:ext cx="4632690" cy="1295400"/>
           </a:xfrm>
           <a:prstGeom prst="rect">
             <a:avLst/>
@@ -4064,6 +4104,138 @@
           </a:p>
         </p:txBody>
       </p:sp>
+      <p:pic>
+        <p:nvPicPr>
+          <p:cNvPr id="1026" name="Picture 2"/>
+          <p:cNvPicPr>
+            <a:picLocks noChangeAspect="1" noChangeArrowheads="1"/>
+          </p:cNvPicPr>
+          <p:nvPr/>
+        </p:nvPicPr>
+        <p:blipFill>
+          <a:blip r:embed="rId2">
+            <a:extLst>
+              <a:ext uri="{28A0092B-C50C-407E-A947-70E740481C1C}">
+                <a14:useLocalDpi xmlns:a14="http://schemas.microsoft.com/office/drawing/2010/main" val="0"/>
+              </a:ext>
+            </a:extLst>
+          </a:blip>
+          <a:srcRect/>
+          <a:stretch>
+            <a:fillRect/>
+          </a:stretch>
+        </p:blipFill>
+        <p:spPr bwMode="auto">
+          <a:xfrm>
+            <a:off x="922408" y="2057399"/>
+            <a:ext cx="1377950" cy="1311275"/>
+          </a:xfrm>
+          <a:prstGeom prst="rect">
+            <a:avLst/>
+          </a:prstGeom>
+          <a:noFill/>
+          <a:ln>
+            <a:noFill/>
+          </a:ln>
+          <a:effectLst/>
+          <a:extLst>
+            <a:ext uri="{909E8E84-426E-40DD-AFC4-6F175D3DCCD1}">
+              <a14:hiddenFill xmlns:a14="http://schemas.microsoft.com/office/drawing/2010/main">
+                <a:solidFill>
+                  <a:schemeClr val="accent1"/>
+                </a:solidFill>
+              </a14:hiddenFill>
+            </a:ext>
+            <a:ext uri="{91240B29-F687-4F45-9708-019B960494DF}">
+              <a14:hiddenLine xmlns:a14="http://schemas.microsoft.com/office/drawing/2010/main" w="9525">
+                <a:solidFill>
+                  <a:schemeClr val="tx1"/>
+                </a:solidFill>
+                <a:miter lim="800000"/>
+                <a:headEnd/>
+                <a:tailEnd/>
+              </a14:hiddenLine>
+            </a:ext>
+            <a:ext uri="{AF507438-7753-43E0-B8FC-AC1667EBCBE1}">
+              <a14:hiddenEffects xmlns:a14="http://schemas.microsoft.com/office/drawing/2010/main">
+                <a:effectLst>
+                  <a:outerShdw dist="35921" dir="2700000" algn="ctr" rotWithShape="0">
+                    <a:schemeClr val="bg2"/>
+                  </a:outerShdw>
+                </a:effectLst>
+              </a14:hiddenEffects>
+            </a:ext>
+          </a:extLst>
+        </p:spPr>
+      </p:pic>
+      <p:sp>
+        <p:nvSpPr>
+          <p:cNvPr id="6" name="TextBox 5"/>
+          <p:cNvSpPr txBox="1"/>
+          <p:nvPr/>
+        </p:nvSpPr>
+        <p:spPr>
+          <a:xfrm>
+            <a:off x="990600" y="2438400"/>
+            <a:ext cx="1219200" cy="369332"/>
+          </a:xfrm>
+          <a:prstGeom prst="rect">
+            <a:avLst/>
+          </a:prstGeom>
+          <a:noFill/>
+        </p:spPr>
+        <p:txBody>
+          <a:bodyPr wrap="square" rtlCol="0">
+            <a:spAutoFit/>
+          </a:bodyPr>
+          <a:lstStyle/>
+          <a:p>
+            <a:r>
+              <a:rPr lang="en-US" sz="1800" dirty="0" smtClean="0">
+                <a:latin typeface="+mn-lt"/>
+              </a:rPr>
+              <a:t>userblock</a:t>
+            </a:r>
+            <a:endParaRPr lang="en-US" sz="1800" dirty="0">
+              <a:latin typeface="+mn-lt"/>
+            </a:endParaRPr>
+          </a:p>
+        </p:txBody>
+      </p:sp>
+      <p:sp>
+        <p:nvSpPr>
+          <p:cNvPr id="8" name="TextBox 7"/>
+          <p:cNvSpPr txBox="1"/>
+          <p:nvPr/>
+        </p:nvSpPr>
+        <p:spPr>
+          <a:xfrm>
+            <a:off x="2514600" y="2438400"/>
+            <a:ext cx="3581400" cy="369332"/>
+          </a:xfrm>
+          <a:prstGeom prst="rect">
+            <a:avLst/>
+          </a:prstGeom>
+          <a:noFill/>
+        </p:spPr>
+        <p:txBody>
+          <a:bodyPr wrap="square" rtlCol="0">
+            <a:spAutoFit/>
+          </a:bodyPr>
+          <a:lstStyle/>
+          <a:p>
+            <a:r>
+              <a:rPr lang="en-US" sz="1800" dirty="0" smtClean="0">
+                <a:latin typeface="+mn-lt"/>
+              </a:rPr>
+              <a:t>data</a:t>
+            </a:r>
+            <a:endParaRPr lang="en-US" sz="1800" dirty="0">
+              <a:latin typeface="+mn-lt"/>
+            </a:endParaRPr>
+          </a:p>
+        </p:txBody>
+      </p:sp>
     </p:spTree>
     <p:extLst>
       <p:ext uri="{BB962C8B-B14F-4D97-AF65-F5344CB8AC3E}">
@@ -4074,6 +4246,13 @@
   <p:clrMapOvr>
     <a:masterClrMapping/>
   </p:clrMapOvr>
+  <p:timing>
+    <p:tnLst>
+      <p:par>
+        <p:cTn id="1" dur="indefinite" restart="never" nodeType="tmRoot"/>
+      </p:par>
+    </p:tnLst>
+  </p:timing>
 </p:sld>
 </file>
 
